--- a/NT140.O11.ATCL_Group10.pptx
+++ b/NT140.O11.ATCL_Group10.pptx
@@ -7530,6 +7530,127 @@
   <p:clrMapOvr>
     <a:masterClrMapping/>
   </p:clrMapOvr>
+  <p:timing>
+    <p:tnLst>
+      <p:par>
+        <p:cTn id="1" dur="indefinite" restart="never" nodeType="tmRoot">
+          <p:childTnLst>
+            <p:seq concurrent="1" nextAc="seek">
+              <p:cTn id="2" dur="indefinite" nodeType="mainSeq">
+                <p:childTnLst>
+                  <p:par>
+                    <p:cTn id="3" fill="hold">
+                      <p:stCondLst>
+                        <p:cond delay="indefinite"/>
+                      </p:stCondLst>
+                      <p:childTnLst>
+                        <p:par>
+                          <p:cTn id="4" fill="hold">
+                            <p:stCondLst>
+                              <p:cond delay="0"/>
+                            </p:stCondLst>
+                            <p:childTnLst>
+                              <p:par>
+                                <p:cTn id="5" presetID="10" presetClass="entr" presetSubtype="0" fill="hold" grpId="0" nodeType="clickEffect">
+                                  <p:stCondLst>
+                                    <p:cond delay="0"/>
+                                  </p:stCondLst>
+                                  <p:childTnLst>
+                                    <p:set>
+                                      <p:cBhvr>
+                                        <p:cTn id="6" dur="1" fill="hold">
+                                          <p:stCondLst>
+                                            <p:cond delay="0"/>
+                                          </p:stCondLst>
+                                        </p:cTn>
+                                        <p:tgtEl>
+                                          <p:spTgt spid="4"/>
+                                        </p:tgtEl>
+                                        <p:attrNameLst>
+                                          <p:attrName>style.visibility</p:attrName>
+                                        </p:attrNameLst>
+                                      </p:cBhvr>
+                                      <p:to>
+                                        <p:strVal val="visible"/>
+                                      </p:to>
+                                    </p:set>
+                                    <p:animEffect transition="in" filter="fade">
+                                      <p:cBhvr>
+                                        <p:cTn id="7" dur="500"/>
+                                        <p:tgtEl>
+                                          <p:spTgt spid="4"/>
+                                        </p:tgtEl>
+                                      </p:cBhvr>
+                                    </p:animEffect>
+                                  </p:childTnLst>
+                                </p:cTn>
+                              </p:par>
+                              <p:par>
+                                <p:cTn id="8" presetID="10" presetClass="entr" presetSubtype="0" fill="hold" nodeType="withEffect">
+                                  <p:stCondLst>
+                                    <p:cond delay="0"/>
+                                  </p:stCondLst>
+                                  <p:childTnLst>
+                                    <p:set>
+                                      <p:cBhvr>
+                                        <p:cTn id="9" dur="1" fill="hold">
+                                          <p:stCondLst>
+                                            <p:cond delay="0"/>
+                                          </p:stCondLst>
+                                        </p:cTn>
+                                        <p:tgtEl>
+                                          <p:spTgt spid="10"/>
+                                        </p:tgtEl>
+                                        <p:attrNameLst>
+                                          <p:attrName>style.visibility</p:attrName>
+                                        </p:attrNameLst>
+                                      </p:cBhvr>
+                                      <p:to>
+                                        <p:strVal val="visible"/>
+                                      </p:to>
+                                    </p:set>
+                                    <p:animEffect transition="in" filter="fade">
+                                      <p:cBhvr>
+                                        <p:cTn id="10" dur="500"/>
+                                        <p:tgtEl>
+                                          <p:spTgt spid="10"/>
+                                        </p:tgtEl>
+                                      </p:cBhvr>
+                                    </p:animEffect>
+                                  </p:childTnLst>
+                                </p:cTn>
+                              </p:par>
+                            </p:childTnLst>
+                          </p:cTn>
+                        </p:par>
+                      </p:childTnLst>
+                    </p:cTn>
+                  </p:par>
+                </p:childTnLst>
+              </p:cTn>
+              <p:prevCondLst>
+                <p:cond evt="onPrev" delay="0">
+                  <p:tgtEl>
+                    <p:sldTgt/>
+                  </p:tgtEl>
+                </p:cond>
+              </p:prevCondLst>
+              <p:nextCondLst>
+                <p:cond evt="onNext" delay="0">
+                  <p:tgtEl>
+                    <p:sldTgt/>
+                  </p:tgtEl>
+                </p:cond>
+              </p:nextCondLst>
+            </p:seq>
+          </p:childTnLst>
+        </p:cTn>
+      </p:par>
+    </p:tnLst>
+    <p:bldLst>
+      <p:bldP spid="4" grpId="0" animBg="1"/>
+    </p:bldLst>
+  </p:timing>
 </p:sld>
 </file>
 
@@ -8966,7 +9087,7 @@
                             </p:stCondLst>
                             <p:childTnLst>
                               <p:par>
-                                <p:cTn id="5" presetID="16" presetClass="entr" presetSubtype="21" fill="hold" nodeType="clickEffect">
+                                <p:cTn id="5" presetID="21" presetClass="entr" presetSubtype="1" fill="hold" grpId="0" nodeType="clickEffect">
                                   <p:stCondLst>
                                     <p:cond delay="0"/>
                                   </p:stCondLst>
@@ -8974,6 +9095,59 @@
                                     <p:set>
                                       <p:cBhvr>
                                         <p:cTn id="6" dur="1" fill="hold">
+                                          <p:stCondLst>
+                                            <p:cond delay="0"/>
+                                          </p:stCondLst>
+                                        </p:cTn>
+                                        <p:tgtEl>
+                                          <p:spTgt spid="10"/>
+                                        </p:tgtEl>
+                                        <p:attrNameLst>
+                                          <p:attrName>style.visibility</p:attrName>
+                                        </p:attrNameLst>
+                                      </p:cBhvr>
+                                      <p:to>
+                                        <p:strVal val="visible"/>
+                                      </p:to>
+                                    </p:set>
+                                    <p:animEffect transition="in" filter="wheel(1)">
+                                      <p:cBhvr>
+                                        <p:cTn id="7" dur="2000"/>
+                                        <p:tgtEl>
+                                          <p:spTgt spid="10"/>
+                                        </p:tgtEl>
+                                      </p:cBhvr>
+                                    </p:animEffect>
+                                  </p:childTnLst>
+                                </p:cTn>
+                              </p:par>
+                            </p:childTnLst>
+                          </p:cTn>
+                        </p:par>
+                      </p:childTnLst>
+                    </p:cTn>
+                  </p:par>
+                  <p:par>
+                    <p:cTn id="8" fill="hold">
+                      <p:stCondLst>
+                        <p:cond delay="indefinite"/>
+                      </p:stCondLst>
+                      <p:childTnLst>
+                        <p:par>
+                          <p:cTn id="9" fill="hold">
+                            <p:stCondLst>
+                              <p:cond delay="0"/>
+                            </p:stCondLst>
+                            <p:childTnLst>
+                              <p:par>
+                                <p:cTn id="10" presetID="16" presetClass="entr" presetSubtype="21" fill="hold" nodeType="clickEffect">
+                                  <p:stCondLst>
+                                    <p:cond delay="0"/>
+                                  </p:stCondLst>
+                                  <p:childTnLst>
+                                    <p:set>
+                                      <p:cBhvr>
+                                        <p:cTn id="11" dur="1" fill="hold">
                                           <p:stCondLst>
                                             <p:cond delay="0"/>
                                           </p:stCondLst>
@@ -8991,7 +9165,7 @@
                                     </p:set>
                                     <p:animEffect transition="in" filter="barn(inVertical)">
                                       <p:cBhvr>
-                                        <p:cTn id="7" dur="500"/>
+                                        <p:cTn id="12" dur="500"/>
                                         <p:tgtEl>
                                           <p:spTgt spid="8"/>
                                         </p:tgtEl>
@@ -9001,14 +9175,14 @@
                                 </p:cTn>
                               </p:par>
                               <p:par>
-                                <p:cTn id="8" presetID="16" presetClass="entr" presetSubtype="21" fill="hold" grpId="0" nodeType="withEffect">
+                                <p:cTn id="13" presetID="16" presetClass="entr" presetSubtype="21" fill="hold" grpId="0" nodeType="withEffect">
                                   <p:stCondLst>
                                     <p:cond delay="0"/>
                                   </p:stCondLst>
                                   <p:childTnLst>
                                     <p:set>
                                       <p:cBhvr>
-                                        <p:cTn id="9" dur="1" fill="hold">
+                                        <p:cTn id="14" dur="1" fill="hold">
                                           <p:stCondLst>
                                             <p:cond delay="0"/>
                                           </p:stCondLst>
@@ -9026,7 +9200,7 @@
                                     </p:set>
                                     <p:animEffect transition="in" filter="barn(inVertical)">
                                       <p:cBhvr>
-                                        <p:cTn id="10" dur="500"/>
+                                        <p:cTn id="15" dur="500"/>
                                         <p:tgtEl>
                                           <p:spTgt spid="4"/>
                                         </p:tgtEl>
@@ -9036,14 +9210,14 @@
                                 </p:cTn>
                               </p:par>
                               <p:par>
-                                <p:cTn id="11" presetID="16" presetClass="entr" presetSubtype="21" fill="hold" grpId="0" nodeType="withEffect">
+                                <p:cTn id="16" presetID="16" presetClass="entr" presetSubtype="21" fill="hold" grpId="0" nodeType="withEffect">
                                   <p:stCondLst>
                                     <p:cond delay="0"/>
                                   </p:stCondLst>
                                   <p:childTnLst>
                                     <p:set>
                                       <p:cBhvr>
-                                        <p:cTn id="12" dur="1" fill="hold">
+                                        <p:cTn id="17" dur="1" fill="hold">
                                           <p:stCondLst>
                                             <p:cond delay="0"/>
                                           </p:stCondLst>
@@ -9061,7 +9235,7 @@
                                     </p:set>
                                     <p:animEffect transition="in" filter="barn(inVertical)">
                                       <p:cBhvr>
-                                        <p:cTn id="13" dur="500"/>
+                                        <p:cTn id="18" dur="500"/>
                                         <p:tgtEl>
                                           <p:spTgt spid="5"/>
                                         </p:tgtEl>
@@ -9100,6 +9274,7 @@
     <p:bldLst>
       <p:bldP spid="4" grpId="0" animBg="1"/>
       <p:bldP spid="5" grpId="0" animBg="1"/>
+      <p:bldP spid="10" grpId="0" animBg="1"/>
     </p:bldLst>
   </p:timing>
 </p:sld>
@@ -9876,6 +10051,9 @@
           <a:prstGeom prst="rightArrow">
             <a:avLst/>
           </a:prstGeom>
+          <a:solidFill>
+            <a:srgbClr val="FF0000"/>
+          </a:solidFill>
         </p:spPr>
         <p:style>
           <a:lnRef idx="3">
@@ -12362,6 +12540,41 @@
                                   </p:childTnLst>
                                 </p:cTn>
                               </p:par>
+                              <p:par>
+                                <p:cTn id="11" presetID="16" presetClass="entr" presetSubtype="21" fill="hold" nodeType="withEffect">
+                                  <p:stCondLst>
+                                    <p:cond delay="0"/>
+                                  </p:stCondLst>
+                                  <p:childTnLst>
+                                    <p:set>
+                                      <p:cBhvr>
+                                        <p:cTn id="12" dur="1" fill="hold">
+                                          <p:stCondLst>
+                                            <p:cond delay="0"/>
+                                          </p:stCondLst>
+                                        </p:cTn>
+                                        <p:tgtEl>
+                                          <p:spTgt spid="12"/>
+                                        </p:tgtEl>
+                                        <p:attrNameLst>
+                                          <p:attrName>style.visibility</p:attrName>
+                                        </p:attrNameLst>
+                                      </p:cBhvr>
+                                      <p:to>
+                                        <p:strVal val="visible"/>
+                                      </p:to>
+                                    </p:set>
+                                    <p:animEffect transition="in" filter="barn(inVertical)">
+                                      <p:cBhvr>
+                                        <p:cTn id="13" dur="500"/>
+                                        <p:tgtEl>
+                                          <p:spTgt spid="12"/>
+                                        </p:tgtEl>
+                                      </p:cBhvr>
+                                    </p:animEffect>
+                                  </p:childTnLst>
+                                </p:cTn>
+                              </p:par>
                             </p:childTnLst>
                           </p:cTn>
                         </p:par>
@@ -12865,6 +13078,41 @@
                                   </p:childTnLst>
                                 </p:cTn>
                               </p:par>
+                              <p:par>
+                                <p:cTn id="11" presetID="16" presetClass="entr" presetSubtype="21" fill="hold" nodeType="withEffect">
+                                  <p:stCondLst>
+                                    <p:cond delay="0"/>
+                                  </p:stCondLst>
+                                  <p:childTnLst>
+                                    <p:set>
+                                      <p:cBhvr>
+                                        <p:cTn id="12" dur="1" fill="hold">
+                                          <p:stCondLst>
+                                            <p:cond delay="0"/>
+                                          </p:stCondLst>
+                                        </p:cTn>
+                                        <p:tgtEl>
+                                          <p:spTgt spid="10"/>
+                                        </p:tgtEl>
+                                        <p:attrNameLst>
+                                          <p:attrName>style.visibility</p:attrName>
+                                        </p:attrNameLst>
+                                      </p:cBhvr>
+                                      <p:to>
+                                        <p:strVal val="visible"/>
+                                      </p:to>
+                                    </p:set>
+                                    <p:animEffect transition="in" filter="barn(inVertical)">
+                                      <p:cBhvr>
+                                        <p:cTn id="13" dur="500"/>
+                                        <p:tgtEl>
+                                          <p:spTgt spid="10"/>
+                                        </p:tgtEl>
+                                      </p:cBhvr>
+                                    </p:animEffect>
+                                  </p:childTnLst>
+                                </p:cTn>
+                              </p:par>
                             </p:childTnLst>
                           </p:cTn>
                         </p:par>
@@ -13368,6 +13616,41 @@
                                   </p:childTnLst>
                                 </p:cTn>
                               </p:par>
+                              <p:par>
+                                <p:cTn id="11" presetID="16" presetClass="entr" presetSubtype="21" fill="hold" nodeType="withEffect">
+                                  <p:stCondLst>
+                                    <p:cond delay="0"/>
+                                  </p:stCondLst>
+                                  <p:childTnLst>
+                                    <p:set>
+                                      <p:cBhvr>
+                                        <p:cTn id="12" dur="1" fill="hold">
+                                          <p:stCondLst>
+                                            <p:cond delay="0"/>
+                                          </p:stCondLst>
+                                        </p:cTn>
+                                        <p:tgtEl>
+                                          <p:spTgt spid="12"/>
+                                        </p:tgtEl>
+                                        <p:attrNameLst>
+                                          <p:attrName>style.visibility</p:attrName>
+                                        </p:attrNameLst>
+                                      </p:cBhvr>
+                                      <p:to>
+                                        <p:strVal val="visible"/>
+                                      </p:to>
+                                    </p:set>
+                                    <p:animEffect transition="in" filter="barn(inVertical)">
+                                      <p:cBhvr>
+                                        <p:cTn id="13" dur="500"/>
+                                        <p:tgtEl>
+                                          <p:spTgt spid="12"/>
+                                        </p:tgtEl>
+                                      </p:cBhvr>
+                                    </p:animEffect>
+                                  </p:childTnLst>
+                                </p:cTn>
+                              </p:par>
                             </p:childTnLst>
                           </p:cTn>
                         </p:par>
@@ -13865,6 +14148,41 @@
                                   </p:childTnLst>
                                 </p:cTn>
                               </p:par>
+                              <p:par>
+                                <p:cTn id="11" presetID="22" presetClass="entr" presetSubtype="4" fill="hold" nodeType="withEffect">
+                                  <p:stCondLst>
+                                    <p:cond delay="0"/>
+                                  </p:stCondLst>
+                                  <p:childTnLst>
+                                    <p:set>
+                                      <p:cBhvr>
+                                        <p:cTn id="12" dur="1" fill="hold">
+                                          <p:stCondLst>
+                                            <p:cond delay="0"/>
+                                          </p:stCondLst>
+                                        </p:cTn>
+                                        <p:tgtEl>
+                                          <p:spTgt spid="10"/>
+                                        </p:tgtEl>
+                                        <p:attrNameLst>
+                                          <p:attrName>style.visibility</p:attrName>
+                                        </p:attrNameLst>
+                                      </p:cBhvr>
+                                      <p:to>
+                                        <p:strVal val="visible"/>
+                                      </p:to>
+                                    </p:set>
+                                    <p:animEffect transition="in" filter="wipe(down)">
+                                      <p:cBhvr>
+                                        <p:cTn id="13" dur="500"/>
+                                        <p:tgtEl>
+                                          <p:spTgt spid="10"/>
+                                        </p:tgtEl>
+                                      </p:cBhvr>
+                                    </p:animEffect>
+                                  </p:childTnLst>
+                                </p:cTn>
+                              </p:par>
                             </p:childTnLst>
                           </p:cTn>
                         </p:par>
@@ -14362,6 +14680,41 @@
                                         <p:cTn id="10" dur="500"/>
                                         <p:tgtEl>
                                           <p:spTgt spid="11"/>
+                                        </p:tgtEl>
+                                      </p:cBhvr>
+                                    </p:animEffect>
+                                  </p:childTnLst>
+                                </p:cTn>
+                              </p:par>
+                              <p:par>
+                                <p:cTn id="11" presetID="16" presetClass="entr" presetSubtype="21" fill="hold" nodeType="withEffect">
+                                  <p:stCondLst>
+                                    <p:cond delay="0"/>
+                                  </p:stCondLst>
+                                  <p:childTnLst>
+                                    <p:set>
+                                      <p:cBhvr>
+                                        <p:cTn id="12" dur="1" fill="hold">
+                                          <p:stCondLst>
+                                            <p:cond delay="0"/>
+                                          </p:stCondLst>
+                                        </p:cTn>
+                                        <p:tgtEl>
+                                          <p:spTgt spid="18"/>
+                                        </p:tgtEl>
+                                        <p:attrNameLst>
+                                          <p:attrName>style.visibility</p:attrName>
+                                        </p:attrNameLst>
+                                      </p:cBhvr>
+                                      <p:to>
+                                        <p:strVal val="visible"/>
+                                      </p:to>
+                                    </p:set>
+                                    <p:animEffect transition="in" filter="barn(inVertical)">
+                                      <p:cBhvr>
+                                        <p:cTn id="13" dur="500"/>
+                                        <p:tgtEl>
+                                          <p:spTgt spid="18"/>
                                         </p:tgtEl>
                                       </p:cBhvr>
                                     </p:animEffect>

--- a/NT140.O11.ATCL_Group10.pptx
+++ b/NT140.O11.ATCL_Group10.pptx
@@ -264,7 +264,7 @@
           <a:p>
             <a:fld id="{2E881807-DA61-4126-B044-723B3F635BEB}" type="datetimeFigureOut">
               <a:rPr lang="en-US" smtClean="0"/>
-              <a:t>12/27/2023</a:t>
+              <a:t>12/28/2023</a:t>
             </a:fld>
             <a:endParaRPr lang="en-US"/>
           </a:p>
@@ -575,6 +575,90 @@
           <a:bodyPr/>
           <a:lstStyle/>
           <a:p>
+            <a:endParaRPr lang="en-US" dirty="0"/>
+          </a:p>
+        </p:txBody>
+      </p:sp>
+      <p:sp>
+        <p:nvSpPr>
+          <p:cNvPr id="4" name="Slide Number Placeholder 3"/>
+          <p:cNvSpPr>
+            <a:spLocks noGrp="1"/>
+          </p:cNvSpPr>
+          <p:nvPr>
+            <p:ph type="sldNum" sz="quarter" idx="5"/>
+          </p:nvPr>
+        </p:nvSpPr>
+        <p:spPr/>
+        <p:txBody>
+          <a:bodyPr/>
+          <a:lstStyle/>
+          <a:p>
+            <a:fld id="{A2B5C0DB-8909-4B69-A375-190E5B2E02BB}" type="slidenum">
+              <a:rPr lang="en-US" smtClean="0"/>
+              <a:t>29</a:t>
+            </a:fld>
+            <a:endParaRPr lang="en-US"/>
+          </a:p>
+        </p:txBody>
+      </p:sp>
+    </p:spTree>
+    <p:extLst>
+      <p:ext uri="{BB962C8B-B14F-4D97-AF65-F5344CB8AC3E}">
+        <p14:creationId xmlns:p14="http://schemas.microsoft.com/office/powerpoint/2010/main" val="3779233306"/>
+      </p:ext>
+    </p:extLst>
+  </p:cSld>
+  <p:clrMapOvr>
+    <a:masterClrMapping/>
+  </p:clrMapOvr>
+</p:notes>
+</file>
+
+<file path=ppt/notesSlides/notesSlide2.xml><?xml version="1.0" encoding="utf-8"?>
+<p:notes xmlns:a="http://schemas.openxmlformats.org/drawingml/2006/main" xmlns:r="http://schemas.openxmlformats.org/officeDocument/2006/relationships" xmlns:p="http://schemas.openxmlformats.org/presentationml/2006/main">
+  <p:cSld>
+    <p:spTree>
+      <p:nvGrpSpPr>
+        <p:cNvPr id="1" name=""/>
+        <p:cNvGrpSpPr/>
+        <p:nvPr/>
+      </p:nvGrpSpPr>
+      <p:grpSpPr>
+        <a:xfrm>
+          <a:off x="0" y="0"/>
+          <a:ext cx="0" cy="0"/>
+          <a:chOff x="0" y="0"/>
+          <a:chExt cx="0" cy="0"/>
+        </a:xfrm>
+      </p:grpSpPr>
+      <p:sp>
+        <p:nvSpPr>
+          <p:cNvPr id="2" name="Slide Image Placeholder 1"/>
+          <p:cNvSpPr>
+            <a:spLocks noGrp="1" noRot="1" noChangeAspect="1"/>
+          </p:cNvSpPr>
+          <p:nvPr>
+            <p:ph type="sldImg"/>
+          </p:nvPr>
+        </p:nvSpPr>
+        <p:spPr/>
+      </p:sp>
+      <p:sp>
+        <p:nvSpPr>
+          <p:cNvPr id="3" name="Notes Placeholder 2"/>
+          <p:cNvSpPr>
+            <a:spLocks noGrp="1"/>
+          </p:cNvSpPr>
+          <p:nvPr>
+            <p:ph type="body" idx="1"/>
+          </p:nvPr>
+        </p:nvSpPr>
+        <p:spPr/>
+        <p:txBody>
+          <a:bodyPr/>
+          <a:lstStyle/>
+          <a:p>
             <a:r>
               <a:rPr lang="en-US" dirty="0"/>
               <a:t>Accuracy (</a:t>
@@ -1220,7 +1304,7 @@
 </p:notes>
 </file>
 
-<file path=ppt/notesSlides/notesSlide2.xml><?xml version="1.0" encoding="utf-8"?>
+<file path=ppt/notesSlides/notesSlide3.xml><?xml version="1.0" encoding="utf-8"?>
 <p:notes xmlns:a="http://schemas.openxmlformats.org/drawingml/2006/main" xmlns:r="http://schemas.openxmlformats.org/officeDocument/2006/relationships" xmlns:p="http://schemas.openxmlformats.org/presentationml/2006/main">
   <p:cSld>
     <p:spTree>
@@ -1484,7 +1568,7 @@
             <a:fld id="{1D8BD707-D9CF-40AE-B4C6-C98DA3205C09}" type="datetimeFigureOut">
               <a:rPr lang="en-US" smtClean="0"/>
               <a:pPr/>
-              <a:t>12/27/2023</a:t>
+              <a:t>12/28/2023</a:t>
             </a:fld>
             <a:endParaRPr lang="en-US"/>
           </a:p>
@@ -1649,7 +1733,7 @@
             <a:fld id="{1D8BD707-D9CF-40AE-B4C6-C98DA3205C09}" type="datetimeFigureOut">
               <a:rPr lang="en-US" smtClean="0"/>
               <a:pPr/>
-              <a:t>12/27/2023</a:t>
+              <a:t>12/28/2023</a:t>
             </a:fld>
             <a:endParaRPr lang="en-US"/>
           </a:p>
@@ -1824,7 +1908,7 @@
             <a:fld id="{1D8BD707-D9CF-40AE-B4C6-C98DA3205C09}" type="datetimeFigureOut">
               <a:rPr lang="en-US" smtClean="0"/>
               <a:pPr/>
-              <a:t>12/27/2023</a:t>
+              <a:t>12/28/2023</a:t>
             </a:fld>
             <a:endParaRPr lang="en-US"/>
           </a:p>
@@ -1989,7 +2073,7 @@
             <a:fld id="{1D8BD707-D9CF-40AE-B4C6-C98DA3205C09}" type="datetimeFigureOut">
               <a:rPr lang="en-US" smtClean="0"/>
               <a:pPr/>
-              <a:t>12/27/2023</a:t>
+              <a:t>12/28/2023</a:t>
             </a:fld>
             <a:endParaRPr lang="en-US"/>
           </a:p>
@@ -2231,7 +2315,7 @@
             <a:fld id="{1D8BD707-D9CF-40AE-B4C6-C98DA3205C09}" type="datetimeFigureOut">
               <a:rPr lang="en-US" smtClean="0"/>
               <a:pPr/>
-              <a:t>12/27/2023</a:t>
+              <a:t>12/28/2023</a:t>
             </a:fld>
             <a:endParaRPr lang="en-US"/>
           </a:p>
@@ -2513,7 +2597,7 @@
             <a:fld id="{1D8BD707-D9CF-40AE-B4C6-C98DA3205C09}" type="datetimeFigureOut">
               <a:rPr lang="en-US" smtClean="0"/>
               <a:pPr/>
-              <a:t>12/27/2023</a:t>
+              <a:t>12/28/2023</a:t>
             </a:fld>
             <a:endParaRPr lang="en-US"/>
           </a:p>
@@ -2929,7 +3013,7 @@
             <a:fld id="{1D8BD707-D9CF-40AE-B4C6-C98DA3205C09}" type="datetimeFigureOut">
               <a:rPr lang="en-US" smtClean="0"/>
               <a:pPr/>
-              <a:t>12/27/2023</a:t>
+              <a:t>12/28/2023</a:t>
             </a:fld>
             <a:endParaRPr lang="en-US"/>
           </a:p>
@@ -3043,7 +3127,7 @@
             <a:fld id="{1D8BD707-D9CF-40AE-B4C6-C98DA3205C09}" type="datetimeFigureOut">
               <a:rPr lang="en-US" smtClean="0"/>
               <a:pPr/>
-              <a:t>12/27/2023</a:t>
+              <a:t>12/28/2023</a:t>
             </a:fld>
             <a:endParaRPr lang="en-US"/>
           </a:p>
@@ -3135,7 +3219,7 @@
             <a:fld id="{1D8BD707-D9CF-40AE-B4C6-C98DA3205C09}" type="datetimeFigureOut">
               <a:rPr lang="en-US" smtClean="0"/>
               <a:pPr/>
-              <a:t>12/27/2023</a:t>
+              <a:t>12/28/2023</a:t>
             </a:fld>
             <a:endParaRPr lang="en-US"/>
           </a:p>
@@ -3407,7 +3491,7 @@
             <a:fld id="{1D8BD707-D9CF-40AE-B4C6-C98DA3205C09}" type="datetimeFigureOut">
               <a:rPr lang="en-US" smtClean="0"/>
               <a:pPr/>
-              <a:t>12/27/2023</a:t>
+              <a:t>12/28/2023</a:t>
             </a:fld>
             <a:endParaRPr lang="en-US"/>
           </a:p>
@@ -3656,7 +3740,7 @@
             <a:fld id="{1D8BD707-D9CF-40AE-B4C6-C98DA3205C09}" type="datetimeFigureOut">
               <a:rPr lang="en-US" smtClean="0"/>
               <a:pPr/>
-              <a:t>12/27/2023</a:t>
+              <a:t>12/28/2023</a:t>
             </a:fld>
             <a:endParaRPr lang="en-US"/>
           </a:p>
@@ -3864,7 +3948,7 @@
             <a:fld id="{1D8BD707-D9CF-40AE-B4C6-C98DA3205C09}" type="datetimeFigureOut">
               <a:rPr lang="en-US" smtClean="0"/>
               <a:pPr/>
-              <a:t>12/27/2023</a:t>
+              <a:t>12/28/2023</a:t>
             </a:fld>
             <a:endParaRPr lang="en-US"/>
           </a:p>
@@ -15509,10 +15593,10 @@
             </a:pathLst>
           </a:custGeom>
           <a:blipFill>
-            <a:blip r:embed="rId2">
+            <a:blip r:embed="rId3">
               <a:extLst>
                 <a:ext uri="{96DAC541-7B7A-43D3-8B79-37D633B846F1}">
-                  <asvg:svgBlip xmlns:asvg="http://schemas.microsoft.com/office/drawing/2016/SVG/main" r:embed="rId3"/>
+                  <asvg:svgBlip xmlns:asvg="http://schemas.microsoft.com/office/drawing/2016/SVG/main" r:embed="rId4"/>
                 </a:ext>
               </a:extLst>
             </a:blip>
@@ -15561,10 +15645,10 @@
             </a:pathLst>
           </a:custGeom>
           <a:blipFill>
-            <a:blip r:embed="rId4">
+            <a:blip r:embed="rId5">
               <a:extLst>
                 <a:ext uri="{96DAC541-7B7A-43D3-8B79-37D633B846F1}">
-                  <asvg:svgBlip xmlns:asvg="http://schemas.microsoft.com/office/drawing/2016/SVG/main" r:embed="rId5"/>
+                  <asvg:svgBlip xmlns:asvg="http://schemas.microsoft.com/office/drawing/2016/SVG/main" r:embed="rId6"/>
                 </a:ext>
               </a:extLst>
             </a:blip>
@@ -15663,10 +15747,10 @@
             </a:pathLst>
           </a:custGeom>
           <a:blipFill>
-            <a:blip r:embed="rId4">
+            <a:blip r:embed="rId5">
               <a:extLst>
                 <a:ext uri="{96DAC541-7B7A-43D3-8B79-37D633B846F1}">
-                  <asvg:svgBlip xmlns:asvg="http://schemas.microsoft.com/office/drawing/2016/SVG/main" r:embed="rId5"/>
+                  <asvg:svgBlip xmlns:asvg="http://schemas.microsoft.com/office/drawing/2016/SVG/main" r:embed="rId6"/>
                 </a:ext>
               </a:extLst>
             </a:blip>
@@ -15691,7 +15775,7 @@
           <p:nvPr/>
         </p:nvPicPr>
         <p:blipFill>
-          <a:blip r:embed="rId6"/>
+          <a:blip r:embed="rId7"/>
           <a:stretch>
             <a:fillRect/>
           </a:stretch>
@@ -15721,7 +15805,7 @@
           <p:nvPr/>
         </p:nvPicPr>
         <p:blipFill>
-          <a:blip r:embed="rId7"/>
+          <a:blip r:embed="rId8"/>
           <a:stretch>
             <a:fillRect/>
           </a:stretch>
@@ -18070,7 +18154,7 @@
                 </a:solidFill>
                 <a:latin typeface="Montserrat Classic Bold" panose="020B0604020202020204" charset="0"/>
               </a:rPr>
-              <a:t>THANK'S FOR LISTENING</a:t>
+              <a:t>THANKS FOR LISTENING</a:t>
             </a:r>
           </a:p>
         </p:txBody>
